--- a/Study/24.01/24.01.17-/Astar.pptx
+++ b/Study/24.01/24.01.17-/Astar.pptx
@@ -104,6 +104,11 @@
       </a:defRPr>
     </a:lvl9pPr>
   </p:defaultTextStyle>
+  <p:extLst>
+    <p:ext uri="{EFAFB233-063F-42B5-8137-9DF3F51BA10A}">
+      <p15:sldGuideLst xmlns:p15="http://schemas.microsoft.com/office/powerpoint/2012/main"/>
+    </p:ext>
+  </p:extLst>
 </p:presentation>
 </file>
 
@@ -689,7 +694,7 @@
           <a:p>
             <a:fld id="{1CC86641-CB7D-4EDB-B979-E01874E4588B}" type="datetimeFigureOut">
               <a:rPr lang="ko-KR" altLang="en-US" smtClean="0"/>
-              <a:t>2024-01-25</a:t>
+              <a:t>2024-01-29</a:t>
             </a:fld>
             <a:endParaRPr lang="ko-KR" altLang="en-US"/>
           </a:p>
@@ -887,7 +892,7 @@
           <a:p>
             <a:fld id="{1CC86641-CB7D-4EDB-B979-E01874E4588B}" type="datetimeFigureOut">
               <a:rPr lang="ko-KR" altLang="en-US" smtClean="0"/>
-              <a:t>2024-01-25</a:t>
+              <a:t>2024-01-29</a:t>
             </a:fld>
             <a:endParaRPr lang="ko-KR" altLang="en-US"/>
           </a:p>
@@ -1095,7 +1100,7 @@
           <a:p>
             <a:fld id="{1CC86641-CB7D-4EDB-B979-E01874E4588B}" type="datetimeFigureOut">
               <a:rPr lang="ko-KR" altLang="en-US" smtClean="0"/>
-              <a:t>2024-01-25</a:t>
+              <a:t>2024-01-29</a:t>
             </a:fld>
             <a:endParaRPr lang="ko-KR" altLang="en-US"/>
           </a:p>
@@ -1293,7 +1298,7 @@
           <a:p>
             <a:fld id="{1CC86641-CB7D-4EDB-B979-E01874E4588B}" type="datetimeFigureOut">
               <a:rPr lang="ko-KR" altLang="en-US" smtClean="0"/>
-              <a:t>2024-01-25</a:t>
+              <a:t>2024-01-29</a:t>
             </a:fld>
             <a:endParaRPr lang="ko-KR" altLang="en-US"/>
           </a:p>
@@ -1568,7 +1573,7 @@
           <a:p>
             <a:fld id="{1CC86641-CB7D-4EDB-B979-E01874E4588B}" type="datetimeFigureOut">
               <a:rPr lang="ko-KR" altLang="en-US" smtClean="0"/>
-              <a:t>2024-01-25</a:t>
+              <a:t>2024-01-29</a:t>
             </a:fld>
             <a:endParaRPr lang="ko-KR" altLang="en-US"/>
           </a:p>
@@ -1833,7 +1838,7 @@
           <a:p>
             <a:fld id="{1CC86641-CB7D-4EDB-B979-E01874E4588B}" type="datetimeFigureOut">
               <a:rPr lang="ko-KR" altLang="en-US" smtClean="0"/>
-              <a:t>2024-01-25</a:t>
+              <a:t>2024-01-29</a:t>
             </a:fld>
             <a:endParaRPr lang="ko-KR" altLang="en-US"/>
           </a:p>
@@ -2245,7 +2250,7 @@
           <a:p>
             <a:fld id="{1CC86641-CB7D-4EDB-B979-E01874E4588B}" type="datetimeFigureOut">
               <a:rPr lang="ko-KR" altLang="en-US" smtClean="0"/>
-              <a:t>2024-01-25</a:t>
+              <a:t>2024-01-29</a:t>
             </a:fld>
             <a:endParaRPr lang="ko-KR" altLang="en-US"/>
           </a:p>
@@ -2386,7 +2391,7 @@
           <a:p>
             <a:fld id="{1CC86641-CB7D-4EDB-B979-E01874E4588B}" type="datetimeFigureOut">
               <a:rPr lang="ko-KR" altLang="en-US" smtClean="0"/>
-              <a:t>2024-01-25</a:t>
+              <a:t>2024-01-29</a:t>
             </a:fld>
             <a:endParaRPr lang="ko-KR" altLang="en-US"/>
           </a:p>
@@ -2499,7 +2504,7 @@
           <a:p>
             <a:fld id="{1CC86641-CB7D-4EDB-B979-E01874E4588B}" type="datetimeFigureOut">
               <a:rPr lang="ko-KR" altLang="en-US" smtClean="0"/>
-              <a:t>2024-01-25</a:t>
+              <a:t>2024-01-29</a:t>
             </a:fld>
             <a:endParaRPr lang="ko-KR" altLang="en-US"/>
           </a:p>
@@ -2810,7 +2815,7 @@
           <a:p>
             <a:fld id="{1CC86641-CB7D-4EDB-B979-E01874E4588B}" type="datetimeFigureOut">
               <a:rPr lang="ko-KR" altLang="en-US" smtClean="0"/>
-              <a:t>2024-01-25</a:t>
+              <a:t>2024-01-29</a:t>
             </a:fld>
             <a:endParaRPr lang="ko-KR" altLang="en-US"/>
           </a:p>
@@ -3098,7 +3103,7 @@
           <a:p>
             <a:fld id="{1CC86641-CB7D-4EDB-B979-E01874E4588B}" type="datetimeFigureOut">
               <a:rPr lang="ko-KR" altLang="en-US" smtClean="0"/>
-              <a:t>2024-01-25</a:t>
+              <a:t>2024-01-29</a:t>
             </a:fld>
             <a:endParaRPr lang="ko-KR" altLang="en-US"/>
           </a:p>
@@ -3339,7 +3344,7 @@
           <a:p>
             <a:fld id="{1CC86641-CB7D-4EDB-B979-E01874E4588B}" type="datetimeFigureOut">
               <a:rPr lang="ko-KR" altLang="en-US" smtClean="0"/>
-              <a:t>2024-01-25</a:t>
+              <a:t>2024-01-29</a:t>
             </a:fld>
             <a:endParaRPr lang="ko-KR" altLang="en-US"/>
           </a:p>
@@ -5426,8 +5431,8 @@
           </p:txBody>
         </p:sp>
       </p:grpSp>
-      <mc:AlternateContent xmlns:mc="http://schemas.openxmlformats.org/markup-compatibility/2006">
-        <mc:Choice xmlns:p14="http://schemas.microsoft.com/office/powerpoint/2010/main" Requires="p14">
+      <mc:AlternateContent xmlns:mc="http://schemas.openxmlformats.org/markup-compatibility/2006" xmlns:p14="http://schemas.microsoft.com/office/powerpoint/2010/main">
+        <mc:Choice Requires="p14">
           <p:contentPart p14:bwMode="auto" r:id="rId3">
             <p14:nvContentPartPr>
               <p14:cNvPr id="63" name="잉크 62">
@@ -5446,7 +5451,7 @@
             </p14:xfrm>
           </p:contentPart>
         </mc:Choice>
-        <mc:Fallback>
+        <mc:Fallback xmlns="">
           <p:pic>
             <p:nvPicPr>
               <p:cNvPr id="63" name="잉크 62">
@@ -5477,8 +5482,8 @@
           </p:pic>
         </mc:Fallback>
       </mc:AlternateContent>
-      <mc:AlternateContent xmlns:mc="http://schemas.openxmlformats.org/markup-compatibility/2006">
-        <mc:Choice xmlns:p14="http://schemas.microsoft.com/office/powerpoint/2010/main" Requires="p14">
+      <mc:AlternateContent xmlns:mc="http://schemas.openxmlformats.org/markup-compatibility/2006" xmlns:p14="http://schemas.microsoft.com/office/powerpoint/2010/main">
+        <mc:Choice Requires="p14">
           <p:contentPart p14:bwMode="auto" r:id="rId5">
             <p14:nvContentPartPr>
               <p14:cNvPr id="64" name="잉크 63">
@@ -5497,7 +5502,7 @@
             </p14:xfrm>
           </p:contentPart>
         </mc:Choice>
-        <mc:Fallback>
+        <mc:Fallback xmlns="">
           <p:pic>
             <p:nvPicPr>
               <p:cNvPr id="64" name="잉크 63">
@@ -5528,8 +5533,8 @@
           </p:pic>
         </mc:Fallback>
       </mc:AlternateContent>
-      <mc:AlternateContent xmlns:mc="http://schemas.openxmlformats.org/markup-compatibility/2006">
-        <mc:Choice xmlns:p14="http://schemas.microsoft.com/office/powerpoint/2010/main" Requires="p14">
+      <mc:AlternateContent xmlns:mc="http://schemas.openxmlformats.org/markup-compatibility/2006" xmlns:p14="http://schemas.microsoft.com/office/powerpoint/2010/main">
+        <mc:Choice Requires="p14">
           <p:contentPart p14:bwMode="auto" r:id="rId7">
             <p14:nvContentPartPr>
               <p14:cNvPr id="65" name="잉크 64">
@@ -5548,7 +5553,7 @@
             </p14:xfrm>
           </p:contentPart>
         </mc:Choice>
-        <mc:Fallback>
+        <mc:Fallback xmlns="">
           <p:pic>
             <p:nvPicPr>
               <p:cNvPr id="65" name="잉크 64">
@@ -5579,8 +5584,8 @@
           </p:pic>
         </mc:Fallback>
       </mc:AlternateContent>
-      <mc:AlternateContent xmlns:mc="http://schemas.openxmlformats.org/markup-compatibility/2006">
-        <mc:Choice xmlns:p14="http://schemas.microsoft.com/office/powerpoint/2010/main" Requires="p14">
+      <mc:AlternateContent xmlns:mc="http://schemas.openxmlformats.org/markup-compatibility/2006" xmlns:p14="http://schemas.microsoft.com/office/powerpoint/2010/main">
+        <mc:Choice Requires="p14">
           <p:contentPart p14:bwMode="auto" r:id="rId9">
             <p14:nvContentPartPr>
               <p14:cNvPr id="66" name="잉크 65">
@@ -5599,7 +5604,7 @@
             </p14:xfrm>
           </p:contentPart>
         </mc:Choice>
-        <mc:Fallback>
+        <mc:Fallback xmlns="">
           <p:pic>
             <p:nvPicPr>
               <p:cNvPr id="66" name="잉크 65">
@@ -5669,8 +5674,8 @@
           </a:fontRef>
         </p:style>
       </p:cxnSp>
-      <mc:AlternateContent xmlns:mc="http://schemas.openxmlformats.org/markup-compatibility/2006">
-        <mc:Choice xmlns:p14="http://schemas.microsoft.com/office/powerpoint/2010/main" Requires="p14">
+      <mc:AlternateContent xmlns:mc="http://schemas.openxmlformats.org/markup-compatibility/2006" xmlns:p14="http://schemas.microsoft.com/office/powerpoint/2010/main">
+        <mc:Choice Requires="p14">
           <p:contentPart p14:bwMode="auto" r:id="rId11">
             <p14:nvContentPartPr>
               <p14:cNvPr id="68" name="잉크 67">
@@ -5689,7 +5694,7 @@
             </p14:xfrm>
           </p:contentPart>
         </mc:Choice>
-        <mc:Fallback>
+        <mc:Fallback xmlns="">
           <p:pic>
             <p:nvPicPr>
               <p:cNvPr id="68" name="잉크 67">
@@ -6185,8 +6190,8 @@
           </a:fontRef>
         </p:style>
       </p:cxnSp>
-      <mc:AlternateContent xmlns:mc="http://schemas.openxmlformats.org/markup-compatibility/2006">
-        <mc:Choice xmlns:p14="http://schemas.microsoft.com/office/powerpoint/2010/main" Requires="p14">
+      <mc:AlternateContent xmlns:mc="http://schemas.openxmlformats.org/markup-compatibility/2006" xmlns:p14="http://schemas.microsoft.com/office/powerpoint/2010/main">
+        <mc:Choice Requires="p14">
           <p:contentPart p14:bwMode="auto" r:id="rId13">
             <p14:nvContentPartPr>
               <p14:cNvPr id="88" name="잉크 87">
@@ -6205,7 +6210,7 @@
             </p14:xfrm>
           </p:contentPart>
         </mc:Choice>
-        <mc:Fallback>
+        <mc:Fallback xmlns="">
           <p:pic>
             <p:nvPicPr>
               <p:cNvPr id="88" name="잉크 87">
@@ -6236,8 +6241,8 @@
           </p:pic>
         </mc:Fallback>
       </mc:AlternateContent>
-      <mc:AlternateContent xmlns:mc="http://schemas.openxmlformats.org/markup-compatibility/2006">
-        <mc:Choice xmlns:p14="http://schemas.microsoft.com/office/powerpoint/2010/main" Requires="p14">
+      <mc:AlternateContent xmlns:mc="http://schemas.openxmlformats.org/markup-compatibility/2006" xmlns:p14="http://schemas.microsoft.com/office/powerpoint/2010/main">
+        <mc:Choice Requires="p14">
           <p:contentPart p14:bwMode="auto" r:id="rId15">
             <p14:nvContentPartPr>
               <p14:cNvPr id="89" name="잉크 88">
@@ -6256,7 +6261,7 @@
             </p14:xfrm>
           </p:contentPart>
         </mc:Choice>
-        <mc:Fallback>
+        <mc:Fallback xmlns="">
           <p:pic>
             <p:nvPicPr>
               <p:cNvPr id="89" name="잉크 88">
@@ -6623,8 +6628,8 @@
           </a:fontRef>
         </p:style>
       </p:cxnSp>
-      <mc:AlternateContent xmlns:mc="http://schemas.openxmlformats.org/markup-compatibility/2006">
-        <mc:Choice xmlns:p14="http://schemas.microsoft.com/office/powerpoint/2010/main" Requires="p14">
+      <mc:AlternateContent xmlns:mc="http://schemas.openxmlformats.org/markup-compatibility/2006" xmlns:p14="http://schemas.microsoft.com/office/powerpoint/2010/main">
+        <mc:Choice Requires="p14">
           <p:contentPart p14:bwMode="auto" r:id="rId17">
             <p14:nvContentPartPr>
               <p14:cNvPr id="100" name="잉크 99">
@@ -6643,7 +6648,7 @@
             </p14:xfrm>
           </p:contentPart>
         </mc:Choice>
-        <mc:Fallback>
+        <mc:Fallback xmlns="">
           <p:pic>
             <p:nvPicPr>
               <p:cNvPr id="100" name="잉크 99">
@@ -6674,8 +6679,8 @@
           </p:pic>
         </mc:Fallback>
       </mc:AlternateContent>
-      <mc:AlternateContent xmlns:mc="http://schemas.openxmlformats.org/markup-compatibility/2006">
-        <mc:Choice xmlns:p14="http://schemas.microsoft.com/office/powerpoint/2010/main" Requires="p14">
+      <mc:AlternateContent xmlns:mc="http://schemas.openxmlformats.org/markup-compatibility/2006" xmlns:p14="http://schemas.microsoft.com/office/powerpoint/2010/main">
+        <mc:Choice Requires="p14">
           <p:contentPart p14:bwMode="auto" r:id="rId19">
             <p14:nvContentPartPr>
               <p14:cNvPr id="101" name="잉크 100">
@@ -6694,7 +6699,7 @@
             </p14:xfrm>
           </p:contentPart>
         </mc:Choice>
-        <mc:Fallback>
+        <mc:Fallback xmlns="">
           <p:pic>
             <p:nvPicPr>
               <p:cNvPr id="101" name="잉크 100">
@@ -6932,8 +6937,8 @@
           </a:fontRef>
         </p:style>
       </p:cxnSp>
-      <mc:AlternateContent xmlns:mc="http://schemas.openxmlformats.org/markup-compatibility/2006">
-        <mc:Choice xmlns:p14="http://schemas.microsoft.com/office/powerpoint/2010/main" Requires="p14">
+      <mc:AlternateContent xmlns:mc="http://schemas.openxmlformats.org/markup-compatibility/2006" xmlns:p14="http://schemas.microsoft.com/office/powerpoint/2010/main">
+        <mc:Choice Requires="p14">
           <p:contentPart p14:bwMode="auto" r:id="rId21">
             <p14:nvContentPartPr>
               <p14:cNvPr id="108" name="잉크 107">
@@ -6952,7 +6957,7 @@
             </p14:xfrm>
           </p:contentPart>
         </mc:Choice>
-        <mc:Fallback>
+        <mc:Fallback xmlns="">
           <p:pic>
             <p:nvPicPr>
               <p:cNvPr id="108" name="잉크 107">
@@ -7657,8 +7662,8 @@
           </a:fontRef>
         </p:style>
       </p:cxnSp>
-      <mc:AlternateContent xmlns:mc="http://schemas.openxmlformats.org/markup-compatibility/2006">
-        <mc:Choice xmlns:p14="http://schemas.microsoft.com/office/powerpoint/2010/main" Requires="p14">
+      <mc:AlternateContent xmlns:mc="http://schemas.openxmlformats.org/markup-compatibility/2006" xmlns:p14="http://schemas.microsoft.com/office/powerpoint/2010/main">
+        <mc:Choice Requires="p14">
           <p:contentPart p14:bwMode="auto" r:id="rId23">
             <p14:nvContentPartPr>
               <p14:cNvPr id="135" name="잉크 134">
@@ -7677,7 +7682,7 @@
             </p14:xfrm>
           </p:contentPart>
         </mc:Choice>
-        <mc:Fallback>
+        <mc:Fallback xmlns="">
           <p:pic>
             <p:nvPicPr>
               <p:cNvPr id="135" name="잉크 134">
@@ -8046,8 +8051,8 @@
           </a:fontRef>
         </p:style>
       </p:cxnSp>
-      <mc:AlternateContent xmlns:mc="http://schemas.openxmlformats.org/markup-compatibility/2006">
-        <mc:Choice xmlns:p14="http://schemas.microsoft.com/office/powerpoint/2010/main" Requires="p14">
+      <mc:AlternateContent xmlns:mc="http://schemas.openxmlformats.org/markup-compatibility/2006" xmlns:p14="http://schemas.microsoft.com/office/powerpoint/2010/main">
+        <mc:Choice Requires="p14">
           <p:contentPart p14:bwMode="auto" r:id="rId25">
             <p14:nvContentPartPr>
               <p14:cNvPr id="146" name="잉크 145">
@@ -8066,7 +8071,7 @@
             </p14:xfrm>
           </p:contentPart>
         </mc:Choice>
-        <mc:Fallback>
+        <mc:Fallback xmlns="">
           <p:pic>
             <p:nvPicPr>
               <p:cNvPr id="146" name="잉크 145">
@@ -8613,8 +8618,8 @@
           </p:txBody>
         </p:sp>
       </p:grpSp>
-      <mc:AlternateContent xmlns:mc="http://schemas.openxmlformats.org/markup-compatibility/2006">
-        <mc:Choice xmlns:p14="http://schemas.microsoft.com/office/powerpoint/2010/main" Requires="p14">
+      <mc:AlternateContent xmlns:mc="http://schemas.openxmlformats.org/markup-compatibility/2006" xmlns:p14="http://schemas.microsoft.com/office/powerpoint/2010/main">
+        <mc:Choice Requires="p14">
           <p:contentPart p14:bwMode="auto" r:id="rId27">
             <p14:nvContentPartPr>
               <p14:cNvPr id="163" name="잉크 162">
@@ -8633,7 +8638,7 @@
             </p14:xfrm>
           </p:contentPart>
         </mc:Choice>
-        <mc:Fallback>
+        <mc:Fallback xmlns="">
           <p:pic>
             <p:nvPicPr>
               <p:cNvPr id="163" name="잉크 162">
@@ -9666,8 +9671,8 @@
           </a:fontRef>
         </p:style>
       </p:cxnSp>
-      <mc:AlternateContent xmlns:mc="http://schemas.openxmlformats.org/markup-compatibility/2006">
-        <mc:Choice xmlns:p14="http://schemas.microsoft.com/office/powerpoint/2010/main" Requires="p14">
+      <mc:AlternateContent xmlns:mc="http://schemas.openxmlformats.org/markup-compatibility/2006" xmlns:p14="http://schemas.microsoft.com/office/powerpoint/2010/main">
+        <mc:Choice Requires="p14">
           <p:contentPart p14:bwMode="auto" r:id="rId29">
             <p14:nvContentPartPr>
               <p14:cNvPr id="196" name="잉크 195">
@@ -9686,7 +9691,7 @@
             </p14:xfrm>
           </p:contentPart>
         </mc:Choice>
-        <mc:Fallback>
+        <mc:Fallback xmlns="">
           <p:pic>
             <p:nvPicPr>
               <p:cNvPr id="196" name="잉크 195">
@@ -10053,8 +10058,8 @@
           </a:fontRef>
         </p:style>
       </p:cxnSp>
-      <mc:AlternateContent xmlns:mc="http://schemas.openxmlformats.org/markup-compatibility/2006">
-        <mc:Choice xmlns:p14="http://schemas.microsoft.com/office/powerpoint/2010/main" Requires="p14">
+      <mc:AlternateContent xmlns:mc="http://schemas.openxmlformats.org/markup-compatibility/2006" xmlns:p14="http://schemas.microsoft.com/office/powerpoint/2010/main">
+        <mc:Choice Requires="p14">
           <p:contentPart p14:bwMode="auto" r:id="rId31">
             <p14:nvContentPartPr>
               <p14:cNvPr id="207" name="잉크 206">
@@ -10073,7 +10078,7 @@
             </p14:xfrm>
           </p:contentPart>
         </mc:Choice>
-        <mc:Fallback>
+        <mc:Fallback xmlns="">
           <p:pic>
             <p:nvPicPr>
               <p:cNvPr id="207" name="잉크 206">
